--- a/Presentations/5.1 Quality diagnostics.pptx
+++ b/Presentations/5.1 Quality diagnostics.pptx
@@ -4277,8 +4277,12 @@
           <a:lstStyle/>
           <a:p>
             <a:r>
+              <a:rPr lang="en-GB"/>
+              <a:t>5.1 Quality </a:t>
+            </a:r>
+            <a:r>
               <a:rPr lang="en-GB" dirty="0"/>
-              <a:t>Quality diagnostics in JD+</a:t>
+              <a:t>diagnostics in JD+</a:t>
             </a:r>
           </a:p>
         </p:txBody>
@@ -7619,8 +7623,8 @@
           </a:p>
         </p:txBody>
       </p:sp>
-      <mc:AlternateContent xmlns:mc="http://schemas.openxmlformats.org/markup-compatibility/2006">
-        <mc:Choice xmlns:a14="http://schemas.microsoft.com/office/drawing/2010/main" Requires="a14">
+      <mc:AlternateContent xmlns:mc="http://schemas.openxmlformats.org/markup-compatibility/2006" xmlns:a14="http://schemas.microsoft.com/office/drawing/2010/main">
+        <mc:Choice Requires="a14">
           <p:sp>
             <p:nvSpPr>
               <p:cNvPr id="13" name="Espace réservé du contenu 12">
@@ -7800,7 +7804,7 @@
             </p:txBody>
           </p:sp>
         </mc:Choice>
-        <mc:Fallback>
+        <mc:Fallback xmlns="">
           <p:sp>
             <p:nvSpPr>
               <p:cNvPr id="13" name="Espace réservé du contenu 12">
